--- a/отчет/Курсова робота.pptx
+++ b/отчет/Курсова робота.pptx
@@ -438,7 +438,7 @@
             <a:fld id="{8F195A03-C19E-4643-9A6D-B7F1732ACADC}" type="datetimeFigureOut">
               <a:rPr lang="ru-RU" smtClean="0"/>
               <a:pPr/>
-              <a:t>15.05.2017</a:t>
+              <a:t>17.05.2017</a:t>
             </a:fld>
             <a:endParaRPr lang="ru-RU"/>
           </a:p>
@@ -605,7 +605,7 @@
             <a:fld id="{8F195A03-C19E-4643-9A6D-B7F1732ACADC}" type="datetimeFigureOut">
               <a:rPr lang="ru-RU" smtClean="0"/>
               <a:pPr/>
-              <a:t>15.05.2017</a:t>
+              <a:t>17.05.2017</a:t>
             </a:fld>
             <a:endParaRPr lang="ru-RU"/>
           </a:p>
@@ -782,7 +782,7 @@
             <a:fld id="{8F195A03-C19E-4643-9A6D-B7F1732ACADC}" type="datetimeFigureOut">
               <a:rPr lang="ru-RU" smtClean="0"/>
               <a:pPr/>
-              <a:t>15.05.2017</a:t>
+              <a:t>17.05.2017</a:t>
             </a:fld>
             <a:endParaRPr lang="ru-RU"/>
           </a:p>
@@ -931,7 +931,7 @@
             <a:fld id="{8F195A03-C19E-4643-9A6D-B7F1732ACADC}" type="datetimeFigureOut">
               <a:rPr lang="ru-RU" smtClean="0"/>
               <a:pPr/>
-              <a:t>15.05.2017</a:t>
+              <a:t>17.05.2017</a:t>
             </a:fld>
             <a:endParaRPr lang="ru-RU"/>
           </a:p>
@@ -1050,7 +1050,7 @@
             <a:fld id="{8F195A03-C19E-4643-9A6D-B7F1732ACADC}" type="datetimeFigureOut">
               <a:rPr lang="ru-RU" smtClean="0"/>
               <a:pPr/>
-              <a:t>15.05.2017</a:t>
+              <a:t>17.05.2017</a:t>
             </a:fld>
             <a:endParaRPr lang="ru-RU"/>
           </a:p>
@@ -1322,7 +1322,7 @@
             <a:fld id="{8F195A03-C19E-4643-9A6D-B7F1732ACADC}" type="datetimeFigureOut">
               <a:rPr lang="ru-RU" smtClean="0"/>
               <a:pPr/>
-              <a:t>15.05.2017</a:t>
+              <a:t>17.05.2017</a:t>
             </a:fld>
             <a:endParaRPr lang="ru-RU"/>
           </a:p>
@@ -1594,7 +1594,7 @@
             <a:fld id="{8F195A03-C19E-4643-9A6D-B7F1732ACADC}" type="datetimeFigureOut">
               <a:rPr lang="ru-RU" smtClean="0"/>
               <a:pPr/>
-              <a:t>15.05.2017</a:t>
+              <a:t>17.05.2017</a:t>
             </a:fld>
             <a:endParaRPr lang="ru-RU"/>
           </a:p>
@@ -2042,7 +2042,7 @@
             <a:fld id="{8F195A03-C19E-4643-9A6D-B7F1732ACADC}" type="datetimeFigureOut">
               <a:rPr lang="ru-RU" smtClean="0"/>
               <a:pPr/>
-              <a:t>15.05.2017</a:t>
+              <a:t>17.05.2017</a:t>
             </a:fld>
             <a:endParaRPr lang="ru-RU"/>
           </a:p>
@@ -2157,7 +2157,7 @@
             <a:fld id="{8F195A03-C19E-4643-9A6D-B7F1732ACADC}" type="datetimeFigureOut">
               <a:rPr lang="ru-RU" smtClean="0"/>
               <a:pPr/>
-              <a:t>15.05.2017</a:t>
+              <a:t>17.05.2017</a:t>
             </a:fld>
             <a:endParaRPr lang="ru-RU"/>
           </a:p>
@@ -2409,7 +2409,7 @@
             <a:fld id="{8F195A03-C19E-4643-9A6D-B7F1732ACADC}" type="datetimeFigureOut">
               <a:rPr lang="ru-RU" smtClean="0"/>
               <a:pPr/>
-              <a:t>15.05.2017</a:t>
+              <a:t>17.05.2017</a:t>
             </a:fld>
             <a:endParaRPr lang="ru-RU"/>
           </a:p>
@@ -2651,7 +2651,7 @@
             <a:fld id="{8F195A03-C19E-4643-9A6D-B7F1732ACADC}" type="datetimeFigureOut">
               <a:rPr lang="ru-RU" smtClean="0"/>
               <a:pPr/>
-              <a:t>15.05.2017</a:t>
+              <a:t>17.05.2017</a:t>
             </a:fld>
             <a:endParaRPr lang="ru-RU"/>
           </a:p>
@@ -2826,7 +2826,7 @@
             <a:fld id="{8F195A03-C19E-4643-9A6D-B7F1732ACADC}" type="datetimeFigureOut">
               <a:rPr lang="ru-RU" smtClean="0"/>
               <a:pPr/>
-              <a:t>15.05.2017</a:t>
+              <a:t>17.05.2017</a:t>
             </a:fld>
             <a:endParaRPr lang="ru-RU"/>
           </a:p>
@@ -3322,15 +3322,7 @@
           <a:p>
             <a:r>
               <a:rPr lang="uk-UA" dirty="0" smtClean="0"/>
-              <a:t>Виконав: студент </a:t>
-            </a:r>
-            <a:r>
-              <a:rPr lang="uk-UA" dirty="0" smtClean="0"/>
-              <a:t>3-го </a:t>
-            </a:r>
-            <a:r>
-              <a:rPr lang="uk-UA" dirty="0" smtClean="0"/>
-              <a:t>курсу</a:t>
+              <a:t>Виконав: студент 3-го курсу</a:t>
             </a:r>
           </a:p>
           <a:p>
@@ -3429,13 +3421,7 @@
               <a:rPr lang="ru-RU" sz="4000" dirty="0" smtClean="0">
                 <a:latin typeface="+mn-lt"/>
               </a:rPr>
-              <a:t> </a:t>
-            </a:r>
-            <a:r>
-              <a:rPr lang="ru-RU" sz="4000" dirty="0" smtClean="0">
-                <a:latin typeface="+mn-lt"/>
-              </a:rPr>
-              <a:t>«</a:t>
+              <a:t> «</a:t>
             </a:r>
             <a:r>
               <a:rPr lang="uk-UA" sz="4000" i="1" dirty="0">
@@ -4139,6 +4125,13 @@
   <p:clrMapOvr>
     <a:masterClrMapping/>
   </p:clrMapOvr>
+  <p:timing>
+    <p:tnLst>
+      <p:par>
+        <p:cTn id="1" dur="indefinite" restart="never" nodeType="tmRoot"/>
+      </p:par>
+    </p:tnLst>
+  </p:timing>
 </p:sld>
 </file>
 
@@ -4536,6 +4529,13 @@
   <p:clrMapOvr>
     <a:masterClrMapping/>
   </p:clrMapOvr>
+  <p:timing>
+    <p:tnLst>
+      <p:par>
+        <p:cTn id="1" dur="indefinite" restart="never" nodeType="tmRoot"/>
+      </p:par>
+    </p:tnLst>
+  </p:timing>
 </p:sld>
 </file>
 
@@ -4729,6 +4729,13 @@
   <p:clrMapOvr>
     <a:masterClrMapping/>
   </p:clrMapOvr>
+  <p:timing>
+    <p:tnLst>
+      <p:par>
+        <p:cTn id="1" dur="indefinite" restart="never" nodeType="tmRoot"/>
+      </p:par>
+    </p:tnLst>
+  </p:timing>
 </p:sld>
 </file>
 
@@ -4873,6 +4880,13 @@
   <p:clrMapOvr>
     <a:masterClrMapping/>
   </p:clrMapOvr>
+  <p:timing>
+    <p:tnLst>
+      <p:par>
+        <p:cTn id="1" dur="indefinite" restart="never" nodeType="tmRoot"/>
+      </p:par>
+    </p:tnLst>
+  </p:timing>
 </p:sld>
 </file>
 
@@ -4967,6 +4981,13 @@
   <p:clrMapOvr>
     <a:masterClrMapping/>
   </p:clrMapOvr>
+  <p:timing>
+    <p:tnLst>
+      <p:par>
+        <p:cTn id="1" dur="indefinite" restart="never" nodeType="tmRoot"/>
+      </p:par>
+    </p:tnLst>
+  </p:timing>
 </p:sld>
 </file>
 
@@ -5051,7 +5072,6 @@
               <a:rPr lang="uk-UA" dirty="0"/>
               <a:t>’</a:t>
             </a:r>
-            <a:endParaRPr lang="uk-UA" dirty="0"/>
           </a:p>
         </p:txBody>
       </p:sp>
@@ -5087,6 +5107,13 @@
   <p:clrMapOvr>
     <a:masterClrMapping/>
   </p:clrMapOvr>
+  <p:timing>
+    <p:tnLst>
+      <p:par>
+        <p:cTn id="1" dur="indefinite" restart="never" nodeType="tmRoot"/>
+      </p:par>
+    </p:tnLst>
+  </p:timing>
 </p:sld>
 </file>
 
@@ -5179,7 +5206,6 @@
               <a:rPr lang="uk-UA" dirty="0"/>
               <a:t>’ </a:t>
             </a:r>
-            <a:endParaRPr lang="uk-UA" dirty="0"/>
           </a:p>
         </p:txBody>
       </p:sp>
@@ -5215,6 +5241,13 @@
   <p:clrMapOvr>
     <a:masterClrMapping/>
   </p:clrMapOvr>
+  <p:timing>
+    <p:tnLst>
+      <p:par>
+        <p:cTn id="1" dur="indefinite" restart="never" nodeType="tmRoot"/>
+      </p:par>
+    </p:tnLst>
+  </p:timing>
 </p:sld>
 </file>
 
@@ -5332,7 +5365,6 @@
               <a:rPr lang="uk-UA" dirty="0"/>
               <a:t>’</a:t>
             </a:r>
-            <a:endParaRPr lang="uk-UA" dirty="0"/>
           </a:p>
         </p:txBody>
       </p:sp>
@@ -5368,6 +5400,13 @@
   <p:clrMapOvr>
     <a:masterClrMapping/>
   </p:clrMapOvr>
+  <p:timing>
+    <p:tnLst>
+      <p:par>
+        <p:cTn id="1" dur="indefinite" restart="never" nodeType="tmRoot"/>
+      </p:par>
+    </p:tnLst>
+  </p:timing>
 </p:sld>
 </file>
 
@@ -5421,41 +5460,8 @@
                 </a:solidFill>
                 <a:effectLst/>
               </a:rPr>
-              <a:t>Якщо всі учасники зареєстровані в базі даннх</a:t>
-            </a:r>
-            <a:r>
-              <a:rPr lang="uk-UA" sz="3200" b="1" spc="0" dirty="0">
-                <a:ln w="22225">
-                  <a:solidFill>
-                    <a:schemeClr val="accent2"/>
-                  </a:solidFill>
-                  <a:prstDash val="solid"/>
-                </a:ln>
-                <a:solidFill>
-                  <a:schemeClr val="accent2">
-                    <a:lumMod val="40000"/>
-                    <a:lumOff val="60000"/>
-                  </a:schemeClr>
-                </a:solidFill>
-                <a:effectLst/>
-              </a:rPr>
-              <a:t>, то можна скласти пару</a:t>
-            </a:r>
-            <a:endParaRPr lang="uk-UA" sz="3200" b="1" spc="0" dirty="0">
-              <a:ln w="22225">
-                <a:solidFill>
-                  <a:schemeClr val="accent2"/>
-                </a:solidFill>
-                <a:prstDash val="solid"/>
-              </a:ln>
-              <a:solidFill>
-                <a:schemeClr val="accent2">
-                  <a:lumMod val="40000"/>
-                  <a:lumOff val="60000"/>
-                </a:schemeClr>
-              </a:solidFill>
-              <a:effectLst/>
-            </a:endParaRPr>
+              <a:t>Якщо всі учасники зареєстровані в базі даннх, то можна скласти пару</a:t>
+            </a:r>
           </a:p>
         </p:txBody>
       </p:sp>
@@ -5495,6 +5501,13 @@
   <p:clrMapOvr>
     <a:masterClrMapping/>
   </p:clrMapOvr>
+  <p:timing>
+    <p:tnLst>
+      <p:par>
+        <p:cTn id="1" dur="indefinite" restart="never" nodeType="tmRoot"/>
+      </p:par>
+    </p:tnLst>
+  </p:timing>
 </p:sld>
 </file>
 
@@ -5570,6 +5583,13 @@
   <p:clrMapOvr>
     <a:masterClrMapping/>
   </p:clrMapOvr>
+  <p:timing>
+    <p:tnLst>
+      <p:par>
+        <p:cTn id="1" dur="indefinite" restart="never" nodeType="tmRoot"/>
+      </p:par>
+    </p:tnLst>
+  </p:timing>
 </p:sld>
 </file>
 
@@ -5641,7 +5661,25 @@
             </a:r>
             <a:r>
               <a:rPr lang="uk-UA" sz="2800" dirty="0"/>
-              <a:t>. Так як видів танців та видів конкурсів існує багато, було обрано спортивні бальні танці. База </a:t>
+              <a:t>. </a:t>
+            </a:r>
+            <a:endParaRPr lang="uk-UA" sz="2800" dirty="0" smtClean="0"/>
+          </a:p>
+          <a:p>
+            <a:r>
+              <a:rPr lang="uk-UA" sz="2800" dirty="0" smtClean="0"/>
+              <a:t>Так </a:t>
+            </a:r>
+            <a:r>
+              <a:rPr lang="uk-UA" sz="2800" dirty="0"/>
+              <a:t>як видів танців та видів конкурсів існує багато, було обрано спортивні бальні танці. </a:t>
+            </a:r>
+            <a:endParaRPr lang="uk-UA" sz="2800" dirty="0" smtClean="0"/>
+          </a:p>
+          <a:p>
+            <a:r>
+              <a:rPr lang="uk-UA" sz="2800" dirty="0" smtClean="0"/>
+              <a:t>База </a:t>
             </a:r>
             <a:r>
               <a:rPr lang="uk-UA" sz="2800" dirty="0" smtClean="0"/>
@@ -5673,7 +5711,18 @@
             </a:r>
             <a:r>
               <a:rPr lang="uk-UA" sz="2800" dirty="0"/>
-              <a:t>. Кожен конкурс включає в себе назву, день проведення, правила, організаторів змагань, </a:t>
+              <a:t>. </a:t>
+            </a:r>
+            <a:endParaRPr lang="uk-UA" sz="2800" dirty="0" smtClean="0"/>
+          </a:p>
+          <a:p>
+            <a:r>
+              <a:rPr lang="uk-UA" sz="2800" dirty="0" smtClean="0"/>
+              <a:t>Кожен </a:t>
+            </a:r>
+            <a:r>
+              <a:rPr lang="uk-UA" sz="2800" dirty="0"/>
+              <a:t>конкурс включає в себе назву, день проведення, правила, організаторів змагань, </a:t>
             </a:r>
             <a:r>
               <a:rPr lang="ru-RU" sz="2800" dirty="0" err="1"/>
@@ -5754,6 +5803,319 @@
   <p:clrMapOvr>
     <a:masterClrMapping/>
   </p:clrMapOvr>
+  <p:timing>
+    <p:tnLst>
+      <p:par>
+        <p:cTn id="1" dur="indefinite" restart="never" nodeType="tmRoot">
+          <p:childTnLst>
+            <p:seq concurrent="1" nextAc="seek">
+              <p:cTn id="2" dur="indefinite" nodeType="mainSeq">
+                <p:childTnLst>
+                  <p:par>
+                    <p:cTn id="3" fill="hold">
+                      <p:stCondLst>
+                        <p:cond delay="indefinite"/>
+                      </p:stCondLst>
+                      <p:childTnLst>
+                        <p:par>
+                          <p:cTn id="4" fill="hold">
+                            <p:stCondLst>
+                              <p:cond delay="0"/>
+                            </p:stCondLst>
+                            <p:childTnLst>
+                              <p:par>
+                                <p:cTn id="5" presetID="14" presetClass="entr" presetSubtype="10" fill="hold" grpId="0" nodeType="clickEffect">
+                                  <p:stCondLst>
+                                    <p:cond delay="0"/>
+                                  </p:stCondLst>
+                                  <p:childTnLst>
+                                    <p:set>
+                                      <p:cBhvr>
+                                        <p:cTn id="6" dur="1" fill="hold">
+                                          <p:stCondLst>
+                                            <p:cond delay="0"/>
+                                          </p:stCondLst>
+                                        </p:cTn>
+                                        <p:tgtEl>
+                                          <p:spTgt spid="2">
+                                            <p:txEl>
+                                              <p:pRg st="0" end="0"/>
+                                            </p:txEl>
+                                          </p:spTgt>
+                                        </p:tgtEl>
+                                        <p:attrNameLst>
+                                          <p:attrName>style.visibility</p:attrName>
+                                        </p:attrNameLst>
+                                      </p:cBhvr>
+                                      <p:to>
+                                        <p:strVal val="visible"/>
+                                      </p:to>
+                                    </p:set>
+                                    <p:animEffect transition="in" filter="randombar(horizontal)">
+                                      <p:cBhvr>
+                                        <p:cTn id="7" dur="500"/>
+                                        <p:tgtEl>
+                                          <p:spTgt spid="2">
+                                            <p:txEl>
+                                              <p:pRg st="0" end="0"/>
+                                            </p:txEl>
+                                          </p:spTgt>
+                                        </p:tgtEl>
+                                      </p:cBhvr>
+                                    </p:animEffect>
+                                  </p:childTnLst>
+                                </p:cTn>
+                              </p:par>
+                            </p:childTnLst>
+                          </p:cTn>
+                        </p:par>
+                      </p:childTnLst>
+                    </p:cTn>
+                  </p:par>
+                  <p:par>
+                    <p:cTn id="8" fill="hold">
+                      <p:stCondLst>
+                        <p:cond delay="indefinite"/>
+                      </p:stCondLst>
+                      <p:childTnLst>
+                        <p:par>
+                          <p:cTn id="9" fill="hold">
+                            <p:stCondLst>
+                              <p:cond delay="0"/>
+                            </p:stCondLst>
+                            <p:childTnLst>
+                              <p:par>
+                                <p:cTn id="10" presetID="14" presetClass="entr" presetSubtype="10" fill="hold" grpId="0" nodeType="clickEffect">
+                                  <p:stCondLst>
+                                    <p:cond delay="0"/>
+                                  </p:stCondLst>
+                                  <p:childTnLst>
+                                    <p:set>
+                                      <p:cBhvr>
+                                        <p:cTn id="11" dur="1" fill="hold">
+                                          <p:stCondLst>
+                                            <p:cond delay="0"/>
+                                          </p:stCondLst>
+                                        </p:cTn>
+                                        <p:tgtEl>
+                                          <p:spTgt spid="2">
+                                            <p:txEl>
+                                              <p:pRg st="1" end="1"/>
+                                            </p:txEl>
+                                          </p:spTgt>
+                                        </p:tgtEl>
+                                        <p:attrNameLst>
+                                          <p:attrName>style.visibility</p:attrName>
+                                        </p:attrNameLst>
+                                      </p:cBhvr>
+                                      <p:to>
+                                        <p:strVal val="visible"/>
+                                      </p:to>
+                                    </p:set>
+                                    <p:animEffect transition="in" filter="randombar(horizontal)">
+                                      <p:cBhvr>
+                                        <p:cTn id="12" dur="500"/>
+                                        <p:tgtEl>
+                                          <p:spTgt spid="2">
+                                            <p:txEl>
+                                              <p:pRg st="1" end="1"/>
+                                            </p:txEl>
+                                          </p:spTgt>
+                                        </p:tgtEl>
+                                      </p:cBhvr>
+                                    </p:animEffect>
+                                  </p:childTnLst>
+                                </p:cTn>
+                              </p:par>
+                            </p:childTnLst>
+                          </p:cTn>
+                        </p:par>
+                      </p:childTnLst>
+                    </p:cTn>
+                  </p:par>
+                  <p:par>
+                    <p:cTn id="13" fill="hold">
+                      <p:stCondLst>
+                        <p:cond delay="indefinite"/>
+                      </p:stCondLst>
+                      <p:childTnLst>
+                        <p:par>
+                          <p:cTn id="14" fill="hold">
+                            <p:stCondLst>
+                              <p:cond delay="0"/>
+                            </p:stCondLst>
+                            <p:childTnLst>
+                              <p:par>
+                                <p:cTn id="15" presetID="14" presetClass="entr" presetSubtype="10" fill="hold" grpId="0" nodeType="clickEffect">
+                                  <p:stCondLst>
+                                    <p:cond delay="0"/>
+                                  </p:stCondLst>
+                                  <p:childTnLst>
+                                    <p:set>
+                                      <p:cBhvr>
+                                        <p:cTn id="16" dur="1" fill="hold">
+                                          <p:stCondLst>
+                                            <p:cond delay="0"/>
+                                          </p:stCondLst>
+                                        </p:cTn>
+                                        <p:tgtEl>
+                                          <p:spTgt spid="2">
+                                            <p:txEl>
+                                              <p:pRg st="2" end="2"/>
+                                            </p:txEl>
+                                          </p:spTgt>
+                                        </p:tgtEl>
+                                        <p:attrNameLst>
+                                          <p:attrName>style.visibility</p:attrName>
+                                        </p:attrNameLst>
+                                      </p:cBhvr>
+                                      <p:to>
+                                        <p:strVal val="visible"/>
+                                      </p:to>
+                                    </p:set>
+                                    <p:animEffect transition="in" filter="randombar(horizontal)">
+                                      <p:cBhvr>
+                                        <p:cTn id="17" dur="500"/>
+                                        <p:tgtEl>
+                                          <p:spTgt spid="2">
+                                            <p:txEl>
+                                              <p:pRg st="2" end="2"/>
+                                            </p:txEl>
+                                          </p:spTgt>
+                                        </p:tgtEl>
+                                      </p:cBhvr>
+                                    </p:animEffect>
+                                  </p:childTnLst>
+                                </p:cTn>
+                              </p:par>
+                            </p:childTnLst>
+                          </p:cTn>
+                        </p:par>
+                      </p:childTnLst>
+                    </p:cTn>
+                  </p:par>
+                  <p:par>
+                    <p:cTn id="18" fill="hold">
+                      <p:stCondLst>
+                        <p:cond delay="indefinite"/>
+                      </p:stCondLst>
+                      <p:childTnLst>
+                        <p:par>
+                          <p:cTn id="19" fill="hold">
+                            <p:stCondLst>
+                              <p:cond delay="0"/>
+                            </p:stCondLst>
+                            <p:childTnLst>
+                              <p:par>
+                                <p:cTn id="20" presetID="14" presetClass="entr" presetSubtype="10" fill="hold" grpId="0" nodeType="clickEffect">
+                                  <p:stCondLst>
+                                    <p:cond delay="0"/>
+                                  </p:stCondLst>
+                                  <p:childTnLst>
+                                    <p:set>
+                                      <p:cBhvr>
+                                        <p:cTn id="21" dur="1" fill="hold">
+                                          <p:stCondLst>
+                                            <p:cond delay="0"/>
+                                          </p:stCondLst>
+                                        </p:cTn>
+                                        <p:tgtEl>
+                                          <p:spTgt spid="2">
+                                            <p:txEl>
+                                              <p:pRg st="3" end="3"/>
+                                            </p:txEl>
+                                          </p:spTgt>
+                                        </p:tgtEl>
+                                        <p:attrNameLst>
+                                          <p:attrName>style.visibility</p:attrName>
+                                        </p:attrNameLst>
+                                      </p:cBhvr>
+                                      <p:to>
+                                        <p:strVal val="visible"/>
+                                      </p:to>
+                                    </p:set>
+                                    <p:animEffect transition="in" filter="randombar(horizontal)">
+                                      <p:cBhvr>
+                                        <p:cTn id="22" dur="500"/>
+                                        <p:tgtEl>
+                                          <p:spTgt spid="2">
+                                            <p:txEl>
+                                              <p:pRg st="3" end="3"/>
+                                            </p:txEl>
+                                          </p:spTgt>
+                                        </p:tgtEl>
+                                      </p:cBhvr>
+                                    </p:animEffect>
+                                  </p:childTnLst>
+                                </p:cTn>
+                              </p:par>
+                              <p:par>
+                                <p:cTn id="23" presetID="14" presetClass="exit" presetSubtype="10" fill="hold" grpId="0" nodeType="withEffect">
+                                  <p:stCondLst>
+                                    <p:cond delay="0"/>
+                                  </p:stCondLst>
+                                  <p:childTnLst>
+                                    <p:animEffect transition="out" filter="randombar(horizontal)">
+                                      <p:cBhvr>
+                                        <p:cTn id="24" dur="500"/>
+                                        <p:tgtEl>
+                                          <p:spTgt spid="3"/>
+                                        </p:tgtEl>
+                                      </p:cBhvr>
+                                    </p:animEffect>
+                                    <p:set>
+                                      <p:cBhvr>
+                                        <p:cTn id="25" dur="1" fill="hold">
+                                          <p:stCondLst>
+                                            <p:cond delay="499"/>
+                                          </p:stCondLst>
+                                        </p:cTn>
+                                        <p:tgtEl>
+                                          <p:spTgt spid="3"/>
+                                        </p:tgtEl>
+                                        <p:attrNameLst>
+                                          <p:attrName>style.visibility</p:attrName>
+                                        </p:attrNameLst>
+                                      </p:cBhvr>
+                                      <p:to>
+                                        <p:strVal val="hidden"/>
+                                      </p:to>
+                                    </p:set>
+                                  </p:childTnLst>
+                                </p:cTn>
+                              </p:par>
+                            </p:childTnLst>
+                          </p:cTn>
+                        </p:par>
+                      </p:childTnLst>
+                    </p:cTn>
+                  </p:par>
+                </p:childTnLst>
+              </p:cTn>
+              <p:prevCondLst>
+                <p:cond evt="onPrev" delay="0">
+                  <p:tgtEl>
+                    <p:sldTgt/>
+                  </p:tgtEl>
+                </p:cond>
+              </p:prevCondLst>
+              <p:nextCondLst>
+                <p:cond evt="onNext" delay="0">
+                  <p:tgtEl>
+                    <p:sldTgt/>
+                  </p:tgtEl>
+                </p:cond>
+              </p:nextCondLst>
+            </p:seq>
+          </p:childTnLst>
+        </p:cTn>
+      </p:par>
+    </p:tnLst>
+    <p:bldLst>
+      <p:bldP spid="2" grpId="0" build="p"/>
+      <p:bldP spid="3" grpId="0"/>
+    </p:bldLst>
+  </p:timing>
 </p:sld>
 </file>
 
@@ -5864,6 +6226,13 @@
   <p:clrMapOvr>
     <a:masterClrMapping/>
   </p:clrMapOvr>
+  <p:timing>
+    <p:tnLst>
+      <p:par>
+        <p:cTn id="1" dur="indefinite" restart="never" nodeType="tmRoot"/>
+      </p:par>
+    </p:tnLst>
+  </p:timing>
 </p:sld>
 </file>
 
@@ -5920,21 +6289,6 @@
               </a:rPr>
               <a:t>Якщо людини немає в базі даних, то її можна зареєструвати у відповідному підрозділі </a:t>
             </a:r>
-            <a:endParaRPr lang="uk-UA" sz="2400" b="1" spc="0" dirty="0">
-              <a:ln w="22225">
-                <a:solidFill>
-                  <a:schemeClr val="accent2"/>
-                </a:solidFill>
-                <a:prstDash val="solid"/>
-              </a:ln>
-              <a:solidFill>
-                <a:schemeClr val="accent2">
-                  <a:lumMod val="40000"/>
-                  <a:lumOff val="60000"/>
-                </a:schemeClr>
-              </a:solidFill>
-              <a:effectLst/>
-            </a:endParaRPr>
           </a:p>
         </p:txBody>
       </p:sp>
@@ -5974,6 +6328,13 @@
   <p:clrMapOvr>
     <a:masterClrMapping/>
   </p:clrMapOvr>
+  <p:timing>
+    <p:tnLst>
+      <p:par>
+        <p:cTn id="1" dur="indefinite" restart="never" nodeType="tmRoot"/>
+      </p:par>
+    </p:tnLst>
+  </p:timing>
 </p:sld>
 </file>
 
@@ -6049,6 +6410,13 @@
   <p:clrMapOvr>
     <a:masterClrMapping/>
   </p:clrMapOvr>
+  <p:timing>
+    <p:tnLst>
+      <p:par>
+        <p:cTn id="1" dur="indefinite" restart="never" nodeType="tmRoot"/>
+      </p:par>
+    </p:tnLst>
+  </p:timing>
 </p:sld>
 </file>
 
@@ -6139,6 +6507,13 @@
   <p:clrMapOvr>
     <a:masterClrMapping/>
   </p:clrMapOvr>
+  <p:timing>
+    <p:tnLst>
+      <p:par>
+        <p:cTn id="1" dur="indefinite" restart="never" nodeType="tmRoot"/>
+      </p:par>
+    </p:tnLst>
+  </p:timing>
 </p:sld>
 </file>
 
@@ -6468,15 +6843,7 @@
             </a:pPr>
             <a:r>
               <a:rPr lang="uk-UA" dirty="0" smtClean="0"/>
-              <a:t>У відповідності з метою, були визначені наступні і</a:t>
-            </a:r>
-            <a:r>
-              <a:rPr lang="uk-UA" dirty="0" smtClean="0"/>
-              <a:t>нформаційні потоки</a:t>
-            </a:r>
-            <a:r>
-              <a:rPr lang="uk-UA" dirty="0" smtClean="0"/>
-              <a:t>:</a:t>
+              <a:t>У відповідності з метою, були визначені наступні інформаційні потоки:</a:t>
             </a:r>
           </a:p>
           <a:p>
@@ -6486,150 +6853,6 @@
             <a:endParaRPr lang="uk-UA" dirty="0" smtClean="0"/>
           </a:p>
           <a:p>
-            <a:pPr lvl="0"/>
-            <a:r>
-              <a:rPr lang="uk-UA" dirty="0"/>
-              <a:t>потік «</a:t>
-            </a:r>
-            <a:r>
-              <a:rPr lang="en-US" dirty="0" smtClean="0"/>
-              <a:t>Competitions</a:t>
-            </a:r>
-            <a:r>
-              <a:rPr lang="uk-UA" dirty="0" smtClean="0"/>
-              <a:t>;</a:t>
-            </a:r>
-            <a:endParaRPr lang="uk-UA" dirty="0"/>
-          </a:p>
-          <a:p>
-            <a:pPr lvl="0"/>
-            <a:r>
-              <a:rPr lang="uk-UA" dirty="0"/>
-              <a:t>потік «</a:t>
-            </a:r>
-            <a:r>
-              <a:rPr lang="en-US" dirty="0" err="1" smtClean="0"/>
-              <a:t>BallroomPrograms</a:t>
-            </a:r>
-            <a:r>
-              <a:rPr lang="uk-UA" dirty="0" smtClean="0"/>
-              <a:t>;</a:t>
-            </a:r>
-            <a:endParaRPr lang="uk-UA" dirty="0"/>
-          </a:p>
-          <a:p>
-            <a:pPr lvl="0"/>
-            <a:r>
-              <a:rPr lang="uk-UA" dirty="0"/>
-              <a:t>потік «</a:t>
-            </a:r>
-            <a:r>
-              <a:rPr lang="en-US" dirty="0" smtClean="0"/>
-              <a:t>Categories</a:t>
-            </a:r>
-            <a:r>
-              <a:rPr lang="uk-UA" dirty="0" smtClean="0"/>
-              <a:t>;</a:t>
-            </a:r>
-            <a:endParaRPr lang="uk-UA" dirty="0"/>
-          </a:p>
-          <a:p>
-            <a:pPr lvl="0"/>
-            <a:r>
-              <a:rPr lang="uk-UA" dirty="0"/>
-              <a:t>потік «</a:t>
-            </a:r>
-            <a:r>
-              <a:rPr lang="en-US" dirty="0" smtClean="0"/>
-              <a:t>Classes</a:t>
-            </a:r>
-            <a:r>
-              <a:rPr lang="uk-UA" dirty="0" smtClean="0"/>
-              <a:t>;</a:t>
-            </a:r>
-            <a:endParaRPr lang="uk-UA" dirty="0"/>
-          </a:p>
-          <a:p>
-            <a:pPr lvl="0"/>
-            <a:r>
-              <a:rPr lang="uk-UA" dirty="0"/>
-              <a:t>потік «</a:t>
-            </a:r>
-            <a:r>
-              <a:rPr lang="en-US" dirty="0" err="1"/>
-              <a:t>Clouples</a:t>
-            </a:r>
-            <a:r>
-              <a:rPr lang="uk-UA" dirty="0" smtClean="0"/>
-              <a:t>»;</a:t>
-            </a:r>
-            <a:endParaRPr lang="uk-UA" dirty="0"/>
-          </a:p>
-          <a:p>
-            <a:pPr lvl="0"/>
-            <a:r>
-              <a:rPr lang="uk-UA" dirty="0"/>
-              <a:t>потік «</a:t>
-            </a:r>
-            <a:r>
-              <a:rPr lang="en-US" dirty="0" smtClean="0"/>
-              <a:t>Partners</a:t>
-            </a:r>
-            <a:r>
-              <a:rPr lang="uk-UA" dirty="0" smtClean="0"/>
-              <a:t>;</a:t>
-            </a:r>
-            <a:endParaRPr lang="uk-UA" dirty="0"/>
-          </a:p>
-          <a:p>
-            <a:pPr lvl="0"/>
-            <a:r>
-              <a:rPr lang="uk-UA" dirty="0"/>
-              <a:t>потік «</a:t>
-            </a:r>
-            <a:r>
-              <a:rPr lang="en-US" dirty="0" err="1" smtClean="0"/>
-              <a:t>Shepartners</a:t>
-            </a:r>
-            <a:r>
-              <a:rPr lang="uk-UA" dirty="0" smtClean="0"/>
-              <a:t>;</a:t>
-            </a:r>
-            <a:endParaRPr lang="uk-UA" dirty="0"/>
-          </a:p>
-          <a:p>
-            <a:pPr lvl="0"/>
-            <a:r>
-              <a:rPr lang="uk-UA" dirty="0"/>
-              <a:t>потік «</a:t>
-            </a:r>
-            <a:r>
-              <a:rPr lang="en-US" dirty="0" smtClean="0"/>
-              <a:t>Coaches</a:t>
-            </a:r>
-            <a:r>
-              <a:rPr lang="uk-UA" dirty="0" smtClean="0"/>
-              <a:t>;</a:t>
-            </a:r>
-            <a:endParaRPr lang="uk-UA" dirty="0"/>
-          </a:p>
-          <a:p>
-            <a:pPr lvl="0"/>
-            <a:r>
-              <a:rPr lang="uk-UA" dirty="0"/>
-              <a:t>потік «</a:t>
-            </a:r>
-            <a:r>
-              <a:rPr lang="en-US" dirty="0" smtClean="0"/>
-              <a:t>Adjudicators</a:t>
-            </a:r>
-            <a:r>
-              <a:rPr lang="uk-UA" dirty="0" smtClean="0"/>
-              <a:t>.</a:t>
-            </a:r>
-            <a:endParaRPr lang="uk-UA" dirty="0"/>
-          </a:p>
-          <a:p>
             <a:pPr marL="0" lvl="0" indent="0">
               <a:buNone/>
             </a:pPr>
@@ -6640,6 +6863,593 @@
           </a:p>
         </p:txBody>
       </p:sp>
+      <p:grpSp>
+        <p:nvGrpSpPr>
+          <p:cNvPr id="20" name="Полотно 7"/>
+          <p:cNvGrpSpPr/>
+          <p:nvPr/>
+        </p:nvGrpSpPr>
+        <p:grpSpPr>
+          <a:xfrm>
+            <a:off x="580456" y="1268760"/>
+            <a:ext cx="8055096" cy="4824536"/>
+            <a:chOff x="0" y="0"/>
+            <a:chExt cx="6103620" cy="2750820"/>
+          </a:xfrm>
+        </p:grpSpPr>
+        <p:sp>
+          <p:nvSpPr>
+            <p:cNvPr id="21" name="Прямоугольник 20"/>
+            <p:cNvSpPr/>
+            <p:nvPr/>
+          </p:nvSpPr>
+          <p:spPr>
+            <a:xfrm>
+              <a:off x="0" y="0"/>
+              <a:ext cx="6103620" cy="2750820"/>
+            </a:xfrm>
+            <a:prstGeom prst="rect">
+              <a:avLst/>
+            </a:prstGeom>
+          </p:spPr>
+        </p:sp>
+        <p:grpSp>
+          <p:nvGrpSpPr>
+            <p:cNvPr id="22" name="Группа 21"/>
+            <p:cNvGrpSpPr/>
+            <p:nvPr/>
+          </p:nvGrpSpPr>
+          <p:grpSpPr>
+            <a:xfrm>
+              <a:off x="195240" y="134280"/>
+              <a:ext cx="5870940" cy="2560320"/>
+              <a:chOff x="195240" y="134280"/>
+              <a:chExt cx="5870940" cy="2560320"/>
+            </a:xfrm>
+          </p:grpSpPr>
+          <p:grpSp>
+            <p:nvGrpSpPr>
+              <p:cNvPr id="23" name="Группа 22"/>
+              <p:cNvGrpSpPr/>
+              <p:nvPr/>
+            </p:nvGrpSpPr>
+            <p:grpSpPr>
+              <a:xfrm>
+                <a:off x="195240" y="134280"/>
+                <a:ext cx="5870940" cy="2560320"/>
+                <a:chOff x="195240" y="134280"/>
+                <a:chExt cx="5870940" cy="2560320"/>
+              </a:xfrm>
+            </p:grpSpPr>
+            <p:sp>
+              <p:nvSpPr>
+                <p:cNvPr id="27" name="Прямоугольник 26"/>
+                <p:cNvSpPr/>
+                <p:nvPr/>
+              </p:nvSpPr>
+              <p:spPr>
+                <a:xfrm>
+                  <a:off x="3906180" y="2397420"/>
+                  <a:ext cx="2160000" cy="297180"/>
+                </a:xfrm>
+                <a:prstGeom prst="rect">
+                  <a:avLst/>
+                </a:prstGeom>
+              </p:spPr>
+              <p:style>
+                <a:lnRef idx="2">
+                  <a:schemeClr val="dk1"/>
+                </a:lnRef>
+                <a:fillRef idx="1">
+                  <a:schemeClr val="lt1"/>
+                </a:fillRef>
+                <a:effectRef idx="0">
+                  <a:schemeClr val="dk1"/>
+                </a:effectRef>
+                <a:fontRef idx="minor">
+                  <a:schemeClr val="dk1"/>
+                </a:fontRef>
+              </p:style>
+              <p:txBody>
+                <a:bodyPr rot="0" spcFirstLastPara="0" vert="horz" wrap="square" lIns="91440" tIns="45720" rIns="91440" bIns="45720" numCol="1" spcCol="0" rtlCol="0" fromWordArt="0" anchor="ctr" anchorCtr="0" forceAA="0" compatLnSpc="1">
+                  <a:prstTxWarp prst="textNoShape">
+                    <a:avLst/>
+                  </a:prstTxWarp>
+                  <a:noAutofit/>
+                </a:bodyPr>
+                <a:lstStyle/>
+                <a:p>
+                  <a:pPr algn="ctr">
+                    <a:lnSpc>
+                      <a:spcPct val="115000"/>
+                    </a:lnSpc>
+                    <a:spcAft>
+                      <a:spcPts val="1000"/>
+                    </a:spcAft>
+                  </a:pPr>
+                  <a:r>
+                    <a:rPr lang="uk-UA" sz="1200">
+                      <a:effectLst/>
+                      <a:latin typeface="Times New Roman" panose="02020603050405020304" pitchFamily="18" charset="0"/>
+                      <a:ea typeface="Times New Roman" panose="02020603050405020304" pitchFamily="18" charset="0"/>
+                    </a:rPr>
+                    <a:t>Учасники та їх тренери</a:t>
+                  </a:r>
+                </a:p>
+              </p:txBody>
+            </p:sp>
+            <p:sp>
+              <p:nvSpPr>
+                <p:cNvPr id="28" name="Прямоугольник 27"/>
+                <p:cNvSpPr/>
+                <p:nvPr/>
+              </p:nvSpPr>
+              <p:spPr>
+                <a:xfrm>
+                  <a:off x="195240" y="2397420"/>
+                  <a:ext cx="2160000" cy="297180"/>
+                </a:xfrm>
+                <a:prstGeom prst="rect">
+                  <a:avLst/>
+                </a:prstGeom>
+              </p:spPr>
+              <p:style>
+                <a:lnRef idx="2">
+                  <a:schemeClr val="dk1"/>
+                </a:lnRef>
+                <a:fillRef idx="1">
+                  <a:schemeClr val="lt1"/>
+                </a:fillRef>
+                <a:effectRef idx="0">
+                  <a:schemeClr val="dk1"/>
+                </a:effectRef>
+                <a:fontRef idx="minor">
+                  <a:schemeClr val="dk1"/>
+                </a:fontRef>
+              </p:style>
+              <p:txBody>
+                <a:bodyPr rot="0" spcFirstLastPara="0" vert="horz" wrap="square" lIns="91440" tIns="45720" rIns="91440" bIns="45720" numCol="1" spcCol="0" rtlCol="0" fromWordArt="0" anchor="ctr" anchorCtr="0" forceAA="0" compatLnSpc="1">
+                  <a:prstTxWarp prst="textNoShape">
+                    <a:avLst/>
+                  </a:prstTxWarp>
+                  <a:noAutofit/>
+                </a:bodyPr>
+                <a:lstStyle/>
+                <a:p>
+                  <a:pPr algn="ctr">
+                    <a:lnSpc>
+                      <a:spcPct val="115000"/>
+                    </a:lnSpc>
+                    <a:spcAft>
+                      <a:spcPts val="1000"/>
+                    </a:spcAft>
+                  </a:pPr>
+                  <a:r>
+                    <a:rPr lang="uk-UA" sz="1200">
+                      <a:effectLst/>
+                      <a:latin typeface="Times New Roman" panose="02020603050405020304" pitchFamily="18" charset="0"/>
+                      <a:ea typeface="Times New Roman" panose="02020603050405020304" pitchFamily="18" charset="0"/>
+                    </a:rPr>
+                    <a:t>Судді</a:t>
+                  </a:r>
+                </a:p>
+              </p:txBody>
+            </p:sp>
+            <p:grpSp>
+              <p:nvGrpSpPr>
+                <p:cNvPr id="29" name="Группа 28"/>
+                <p:cNvGrpSpPr/>
+                <p:nvPr/>
+              </p:nvGrpSpPr>
+              <p:grpSpPr>
+                <a:xfrm>
+                  <a:off x="1974215" y="134280"/>
+                  <a:ext cx="2160295" cy="1722120"/>
+                  <a:chOff x="2271395" y="126660"/>
+                  <a:chExt cx="2160295" cy="1722120"/>
+                </a:xfrm>
+              </p:grpSpPr>
+              <p:sp>
+                <p:nvSpPr>
+                  <p:cNvPr id="33" name="Прямоугольник 32"/>
+                  <p:cNvSpPr/>
+                  <p:nvPr/>
+                </p:nvSpPr>
+                <p:spPr>
+                  <a:xfrm>
+                    <a:off x="2271395" y="899160"/>
+                    <a:ext cx="2160000" cy="297180"/>
+                  </a:xfrm>
+                  <a:prstGeom prst="rect">
+                    <a:avLst/>
+                  </a:prstGeom>
+                </p:spPr>
+                <p:style>
+                  <a:lnRef idx="2">
+                    <a:schemeClr val="dk1"/>
+                  </a:lnRef>
+                  <a:fillRef idx="1">
+                    <a:schemeClr val="lt1"/>
+                  </a:fillRef>
+                  <a:effectRef idx="0">
+                    <a:schemeClr val="dk1"/>
+                  </a:effectRef>
+                  <a:fontRef idx="minor">
+                    <a:schemeClr val="dk1"/>
+                  </a:fontRef>
+                </p:style>
+                <p:txBody>
+                  <a:bodyPr rot="0" spcFirstLastPara="0" vert="horz" wrap="square" lIns="91440" tIns="45720" rIns="91440" bIns="45720" numCol="1" spcCol="0" rtlCol="0" fromWordArt="0" anchor="ctr" anchorCtr="0" forceAA="0" compatLnSpc="1">
+                    <a:prstTxWarp prst="textNoShape">
+                      <a:avLst/>
+                    </a:prstTxWarp>
+                    <a:noAutofit/>
+                  </a:bodyPr>
+                  <a:lstStyle/>
+                  <a:p>
+                    <a:pPr algn="ctr">
+                      <a:lnSpc>
+                        <a:spcPct val="115000"/>
+                      </a:lnSpc>
+                      <a:spcAft>
+                        <a:spcPts val="1000"/>
+                      </a:spcAft>
+                    </a:pPr>
+                    <a:r>
+                      <a:rPr lang="ru-RU" sz="1400">
+                        <a:effectLst/>
+                        <a:latin typeface="Times New Roman" panose="02020603050405020304" pitchFamily="18" charset="0"/>
+                        <a:ea typeface="Calibri" panose="020F0502020204030204" pitchFamily="34" charset="0"/>
+                        <a:cs typeface="Times New Roman" panose="02020603050405020304" pitchFamily="18" charset="0"/>
+                      </a:rPr>
+                      <a:t>Орга</a:t>
+                    </a:r>
+                    <a:r>
+                      <a:rPr lang="uk-UA" sz="1400">
+                        <a:effectLst/>
+                        <a:latin typeface="Times New Roman" panose="02020603050405020304" pitchFamily="18" charset="0"/>
+                        <a:ea typeface="Calibri" panose="020F0502020204030204" pitchFamily="34" charset="0"/>
+                        <a:cs typeface="Times New Roman" panose="02020603050405020304" pitchFamily="18" charset="0"/>
+                      </a:rPr>
+                      <a:t>нізатори змагань</a:t>
+                    </a:r>
+                  </a:p>
+                </p:txBody>
+              </p:sp>
+              <p:sp>
+                <p:nvSpPr>
+                  <p:cNvPr id="34" name="Прямоугольник 33"/>
+                  <p:cNvSpPr/>
+                  <p:nvPr/>
+                </p:nvSpPr>
+                <p:spPr>
+                  <a:xfrm>
+                    <a:off x="2271690" y="126660"/>
+                    <a:ext cx="2160000" cy="467700"/>
+                  </a:xfrm>
+                  <a:prstGeom prst="rect">
+                    <a:avLst/>
+                  </a:prstGeom>
+                </p:spPr>
+                <p:style>
+                  <a:lnRef idx="2">
+                    <a:schemeClr val="dk1"/>
+                  </a:lnRef>
+                  <a:fillRef idx="1">
+                    <a:schemeClr val="lt1"/>
+                  </a:fillRef>
+                  <a:effectRef idx="0">
+                    <a:schemeClr val="dk1"/>
+                  </a:effectRef>
+                  <a:fontRef idx="minor">
+                    <a:schemeClr val="dk1"/>
+                  </a:fontRef>
+                </p:style>
+                <p:txBody>
+                  <a:bodyPr rot="0" spcFirstLastPara="0" vert="horz" wrap="square" lIns="91440" tIns="45720" rIns="91440" bIns="45720" numCol="1" spcCol="0" rtlCol="0" fromWordArt="0" anchor="ctr" anchorCtr="0" forceAA="0" compatLnSpc="1">
+                    <a:prstTxWarp prst="textNoShape">
+                      <a:avLst/>
+                    </a:prstTxWarp>
+                    <a:noAutofit/>
+                  </a:bodyPr>
+                  <a:lstStyle/>
+                  <a:p>
+                    <a:pPr algn="ctr">
+                      <a:lnSpc>
+                        <a:spcPct val="115000"/>
+                      </a:lnSpc>
+                      <a:spcAft>
+                        <a:spcPts val="1000"/>
+                      </a:spcAft>
+                    </a:pPr>
+                    <a:r>
+                      <a:rPr lang="uk-UA" sz="1200">
+                        <a:effectLst/>
+                        <a:latin typeface="Times New Roman" panose="02020603050405020304" pitchFamily="18" charset="0"/>
+                        <a:ea typeface="Times New Roman" panose="02020603050405020304" pitchFamily="18" charset="0"/>
+                      </a:rPr>
+                      <a:t>Дирекція федерації  спортивного бального танцю</a:t>
+                    </a:r>
+                  </a:p>
+                </p:txBody>
+              </p:sp>
+              <p:sp>
+                <p:nvSpPr>
+                  <p:cNvPr id="35" name="Прямоугольник 34"/>
+                  <p:cNvSpPr/>
+                  <p:nvPr/>
+                </p:nvSpPr>
+                <p:spPr>
+                  <a:xfrm>
+                    <a:off x="2271690" y="1551600"/>
+                    <a:ext cx="2160000" cy="297180"/>
+                  </a:xfrm>
+                  <a:prstGeom prst="rect">
+                    <a:avLst/>
+                  </a:prstGeom>
+                </p:spPr>
+                <p:style>
+                  <a:lnRef idx="2">
+                    <a:schemeClr val="dk1"/>
+                  </a:lnRef>
+                  <a:fillRef idx="1">
+                    <a:schemeClr val="lt1"/>
+                  </a:fillRef>
+                  <a:effectRef idx="0">
+                    <a:schemeClr val="dk1"/>
+                  </a:effectRef>
+                  <a:fontRef idx="minor">
+                    <a:schemeClr val="dk1"/>
+                  </a:fontRef>
+                </p:style>
+                <p:txBody>
+                  <a:bodyPr rot="0" spcFirstLastPara="0" vert="horz" wrap="square" lIns="91440" tIns="45720" rIns="91440" bIns="45720" numCol="1" spcCol="0" rtlCol="0" fromWordArt="0" anchor="ctr" anchorCtr="0" forceAA="0" compatLnSpc="1">
+                    <a:prstTxWarp prst="textNoShape">
+                      <a:avLst/>
+                    </a:prstTxWarp>
+                    <a:noAutofit/>
+                  </a:bodyPr>
+                  <a:lstStyle/>
+                  <a:p>
+                    <a:pPr algn="ctr">
+                      <a:lnSpc>
+                        <a:spcPct val="115000"/>
+                      </a:lnSpc>
+                      <a:spcAft>
+                        <a:spcPts val="1000"/>
+                      </a:spcAft>
+                    </a:pPr>
+                    <a:r>
+                      <a:rPr lang="uk-UA" sz="1200">
+                        <a:effectLst/>
+                        <a:latin typeface="Times New Roman" panose="02020603050405020304" pitchFamily="18" charset="0"/>
+                        <a:ea typeface="Times New Roman" panose="02020603050405020304" pitchFamily="18" charset="0"/>
+                      </a:rPr>
+                      <a:t>Змагання</a:t>
+                    </a:r>
+                  </a:p>
+                </p:txBody>
+              </p:sp>
+            </p:grpSp>
+            <p:cxnSp>
+              <p:nvCxnSpPr>
+                <p:cNvPr id="30" name="Прямая со стрелкой 29"/>
+                <p:cNvCxnSpPr>
+                  <a:stCxn id="34" idx="2"/>
+                  <a:endCxn id="33" idx="0"/>
+                </p:cNvCxnSpPr>
+                <p:nvPr/>
+              </p:nvCxnSpPr>
+              <p:spPr>
+                <a:xfrm flipH="1">
+                  <a:off x="3054215" y="601980"/>
+                  <a:ext cx="295" cy="304800"/>
+                </a:xfrm>
+                <a:prstGeom prst="straightConnector1">
+                  <a:avLst/>
+                </a:prstGeom>
+                <a:ln>
+                  <a:tailEnd type="triangle"/>
+                </a:ln>
+              </p:spPr>
+              <p:style>
+                <a:lnRef idx="1">
+                  <a:schemeClr val="dk1"/>
+                </a:lnRef>
+                <a:fillRef idx="0">
+                  <a:schemeClr val="dk1"/>
+                </a:fillRef>
+                <a:effectRef idx="0">
+                  <a:schemeClr val="dk1"/>
+                </a:effectRef>
+                <a:fontRef idx="minor">
+                  <a:schemeClr val="tx1"/>
+                </a:fontRef>
+              </p:style>
+            </p:cxnSp>
+            <p:cxnSp>
+              <p:nvCxnSpPr>
+                <p:cNvPr id="31" name="Прямая со стрелкой 30"/>
+                <p:cNvCxnSpPr>
+                  <a:stCxn id="28" idx="0"/>
+                  <a:endCxn id="35" idx="1"/>
+                </p:cNvCxnSpPr>
+                <p:nvPr/>
+              </p:nvCxnSpPr>
+              <p:spPr>
+                <a:xfrm flipV="1">
+                  <a:off x="1275240" y="1707810"/>
+                  <a:ext cx="699270" cy="689610"/>
+                </a:xfrm>
+                <a:prstGeom prst="straightConnector1">
+                  <a:avLst/>
+                </a:prstGeom>
+                <a:ln>
+                  <a:tailEnd type="triangle"/>
+                </a:ln>
+              </p:spPr>
+              <p:style>
+                <a:lnRef idx="1">
+                  <a:schemeClr val="dk1"/>
+                </a:lnRef>
+                <a:fillRef idx="0">
+                  <a:schemeClr val="dk1"/>
+                </a:fillRef>
+                <a:effectRef idx="0">
+                  <a:schemeClr val="dk1"/>
+                </a:effectRef>
+                <a:fontRef idx="minor">
+                  <a:schemeClr val="tx1"/>
+                </a:fontRef>
+              </p:style>
+            </p:cxnSp>
+            <p:cxnSp>
+              <p:nvCxnSpPr>
+                <p:cNvPr id="32" name="Прямая со стрелкой 31"/>
+                <p:cNvCxnSpPr>
+                  <a:stCxn id="27" idx="0"/>
+                  <a:endCxn id="35" idx="3"/>
+                </p:cNvCxnSpPr>
+                <p:nvPr/>
+              </p:nvCxnSpPr>
+              <p:spPr>
+                <a:xfrm flipH="1" flipV="1">
+                  <a:off x="4134510" y="1707810"/>
+                  <a:ext cx="851670" cy="689610"/>
+                </a:xfrm>
+                <a:prstGeom prst="straightConnector1">
+                  <a:avLst/>
+                </a:prstGeom>
+                <a:ln>
+                  <a:tailEnd type="triangle"/>
+                </a:ln>
+              </p:spPr>
+              <p:style>
+                <a:lnRef idx="1">
+                  <a:schemeClr val="dk1"/>
+                </a:lnRef>
+                <a:fillRef idx="0">
+                  <a:schemeClr val="dk1"/>
+                </a:fillRef>
+                <a:effectRef idx="0">
+                  <a:schemeClr val="dk1"/>
+                </a:effectRef>
+                <a:fontRef idx="minor">
+                  <a:schemeClr val="tx1"/>
+                </a:fontRef>
+              </p:style>
+            </p:cxnSp>
+          </p:grpSp>
+          <p:cxnSp>
+            <p:nvCxnSpPr>
+              <p:cNvPr id="24" name="Прямая со стрелкой 23"/>
+              <p:cNvCxnSpPr>
+                <a:stCxn id="35" idx="2"/>
+                <a:endCxn id="28" idx="3"/>
+              </p:cNvCxnSpPr>
+              <p:nvPr/>
+            </p:nvCxnSpPr>
+            <p:spPr>
+              <a:xfrm flipH="1">
+                <a:off x="2355240" y="1856400"/>
+                <a:ext cx="699270" cy="689610"/>
+              </a:xfrm>
+              <a:prstGeom prst="straightConnector1">
+                <a:avLst/>
+              </a:prstGeom>
+              <a:ln>
+                <a:tailEnd type="triangle"/>
+              </a:ln>
+            </p:spPr>
+            <p:style>
+              <a:lnRef idx="1">
+                <a:schemeClr val="dk1"/>
+              </a:lnRef>
+              <a:fillRef idx="0">
+                <a:schemeClr val="dk1"/>
+              </a:fillRef>
+              <a:effectRef idx="0">
+                <a:schemeClr val="dk1"/>
+              </a:effectRef>
+              <a:fontRef idx="minor">
+                <a:schemeClr val="tx1"/>
+              </a:fontRef>
+            </p:style>
+          </p:cxnSp>
+          <p:cxnSp>
+            <p:nvCxnSpPr>
+              <p:cNvPr id="25" name="Прямая со стрелкой 24"/>
+              <p:cNvCxnSpPr>
+                <a:endCxn id="27" idx="1"/>
+              </p:cNvCxnSpPr>
+              <p:nvPr/>
+            </p:nvCxnSpPr>
+            <p:spPr>
+              <a:xfrm>
+                <a:off x="3054510" y="1874520"/>
+                <a:ext cx="851670" cy="671490"/>
+              </a:xfrm>
+              <a:prstGeom prst="straightConnector1">
+                <a:avLst/>
+              </a:prstGeom>
+              <a:ln>
+                <a:tailEnd type="triangle"/>
+              </a:ln>
+            </p:spPr>
+            <p:style>
+              <a:lnRef idx="1">
+                <a:schemeClr val="dk1"/>
+              </a:lnRef>
+              <a:fillRef idx="0">
+                <a:schemeClr val="dk1"/>
+              </a:fillRef>
+              <a:effectRef idx="0">
+                <a:schemeClr val="dk1"/>
+              </a:effectRef>
+              <a:fontRef idx="minor">
+                <a:schemeClr val="tx1"/>
+              </a:fontRef>
+            </p:style>
+          </p:cxnSp>
+          <p:cxnSp>
+            <p:nvCxnSpPr>
+              <p:cNvPr id="26" name="Прямая со стрелкой 25"/>
+              <p:cNvCxnSpPr>
+                <a:stCxn id="33" idx="2"/>
+                <a:endCxn id="35" idx="0"/>
+              </p:cNvCxnSpPr>
+              <p:nvPr/>
+            </p:nvCxnSpPr>
+            <p:spPr>
+              <a:xfrm>
+                <a:off x="3054215" y="1203960"/>
+                <a:ext cx="295" cy="355260"/>
+              </a:xfrm>
+              <a:prstGeom prst="straightConnector1">
+                <a:avLst/>
+              </a:prstGeom>
+              <a:ln>
+                <a:headEnd type="triangle"/>
+                <a:tailEnd type="triangle"/>
+              </a:ln>
+            </p:spPr>
+            <p:style>
+              <a:lnRef idx="1">
+                <a:schemeClr val="dk1"/>
+              </a:lnRef>
+              <a:fillRef idx="0">
+                <a:schemeClr val="dk1"/>
+              </a:fillRef>
+              <a:effectRef idx="0">
+                <a:schemeClr val="dk1"/>
+              </a:effectRef>
+              <a:fontRef idx="minor">
+                <a:schemeClr val="tx1"/>
+              </a:fontRef>
+            </p:style>
+          </p:cxnSp>
+        </p:grpSp>
+      </p:grpSp>
     </p:spTree>
   </p:cSld>
   <p:clrMapOvr>
@@ -6847,6 +7657,344 @@
   <p:clrMapOvr>
     <a:masterClrMapping/>
   </p:clrMapOvr>
+  <p:timing>
+    <p:tnLst>
+      <p:par>
+        <p:cTn id="1" dur="indefinite" restart="never" nodeType="tmRoot">
+          <p:childTnLst>
+            <p:seq concurrent="1" nextAc="seek">
+              <p:cTn id="2" dur="indefinite" nodeType="mainSeq">
+                <p:childTnLst>
+                  <p:par>
+                    <p:cTn id="3" fill="hold">
+                      <p:stCondLst>
+                        <p:cond delay="indefinite"/>
+                      </p:stCondLst>
+                      <p:childTnLst>
+                        <p:par>
+                          <p:cTn id="4" fill="hold">
+                            <p:stCondLst>
+                              <p:cond delay="0"/>
+                            </p:stCondLst>
+                            <p:childTnLst>
+                              <p:par>
+                                <p:cTn id="5" presetID="14" presetClass="entr" presetSubtype="10" fill="hold" grpId="0" nodeType="clickEffect">
+                                  <p:stCondLst>
+                                    <p:cond delay="0"/>
+                                  </p:stCondLst>
+                                  <p:childTnLst>
+                                    <p:set>
+                                      <p:cBhvr>
+                                        <p:cTn id="6" dur="1" fill="hold">
+                                          <p:stCondLst>
+                                            <p:cond delay="0"/>
+                                          </p:stCondLst>
+                                        </p:cTn>
+                                        <p:tgtEl>
+                                          <p:spTgt spid="2">
+                                            <p:txEl>
+                                              <p:pRg st="0" end="0"/>
+                                            </p:txEl>
+                                          </p:spTgt>
+                                        </p:tgtEl>
+                                        <p:attrNameLst>
+                                          <p:attrName>style.visibility</p:attrName>
+                                        </p:attrNameLst>
+                                      </p:cBhvr>
+                                      <p:to>
+                                        <p:strVal val="visible"/>
+                                      </p:to>
+                                    </p:set>
+                                    <p:animEffect transition="in" filter="randombar(horizontal)">
+                                      <p:cBhvr>
+                                        <p:cTn id="7" dur="500"/>
+                                        <p:tgtEl>
+                                          <p:spTgt spid="2">
+                                            <p:txEl>
+                                              <p:pRg st="0" end="0"/>
+                                            </p:txEl>
+                                          </p:spTgt>
+                                        </p:tgtEl>
+                                      </p:cBhvr>
+                                    </p:animEffect>
+                                  </p:childTnLst>
+                                </p:cTn>
+                              </p:par>
+                            </p:childTnLst>
+                          </p:cTn>
+                        </p:par>
+                      </p:childTnLst>
+                    </p:cTn>
+                  </p:par>
+                  <p:par>
+                    <p:cTn id="8" fill="hold">
+                      <p:stCondLst>
+                        <p:cond delay="indefinite"/>
+                      </p:stCondLst>
+                      <p:childTnLst>
+                        <p:par>
+                          <p:cTn id="9" fill="hold">
+                            <p:stCondLst>
+                              <p:cond delay="0"/>
+                            </p:stCondLst>
+                            <p:childTnLst>
+                              <p:par>
+                                <p:cTn id="10" presetID="14" presetClass="entr" presetSubtype="10" fill="hold" grpId="0" nodeType="clickEffect">
+                                  <p:stCondLst>
+                                    <p:cond delay="0"/>
+                                  </p:stCondLst>
+                                  <p:childTnLst>
+                                    <p:set>
+                                      <p:cBhvr>
+                                        <p:cTn id="11" dur="1" fill="hold">
+                                          <p:stCondLst>
+                                            <p:cond delay="0"/>
+                                          </p:stCondLst>
+                                        </p:cTn>
+                                        <p:tgtEl>
+                                          <p:spTgt spid="2">
+                                            <p:txEl>
+                                              <p:pRg st="1" end="1"/>
+                                            </p:txEl>
+                                          </p:spTgt>
+                                        </p:tgtEl>
+                                        <p:attrNameLst>
+                                          <p:attrName>style.visibility</p:attrName>
+                                        </p:attrNameLst>
+                                      </p:cBhvr>
+                                      <p:to>
+                                        <p:strVal val="visible"/>
+                                      </p:to>
+                                    </p:set>
+                                    <p:animEffect transition="in" filter="randombar(horizontal)">
+                                      <p:cBhvr>
+                                        <p:cTn id="12" dur="500"/>
+                                        <p:tgtEl>
+                                          <p:spTgt spid="2">
+                                            <p:txEl>
+                                              <p:pRg st="1" end="1"/>
+                                            </p:txEl>
+                                          </p:spTgt>
+                                        </p:tgtEl>
+                                      </p:cBhvr>
+                                    </p:animEffect>
+                                  </p:childTnLst>
+                                </p:cTn>
+                              </p:par>
+                            </p:childTnLst>
+                          </p:cTn>
+                        </p:par>
+                      </p:childTnLst>
+                    </p:cTn>
+                  </p:par>
+                  <p:par>
+                    <p:cTn id="13" fill="hold">
+                      <p:stCondLst>
+                        <p:cond delay="indefinite"/>
+                      </p:stCondLst>
+                      <p:childTnLst>
+                        <p:par>
+                          <p:cTn id="14" fill="hold">
+                            <p:stCondLst>
+                              <p:cond delay="0"/>
+                            </p:stCondLst>
+                            <p:childTnLst>
+                              <p:par>
+                                <p:cTn id="15" presetID="14" presetClass="entr" presetSubtype="10" fill="hold" grpId="0" nodeType="clickEffect">
+                                  <p:stCondLst>
+                                    <p:cond delay="0"/>
+                                  </p:stCondLst>
+                                  <p:childTnLst>
+                                    <p:set>
+                                      <p:cBhvr>
+                                        <p:cTn id="16" dur="1" fill="hold">
+                                          <p:stCondLst>
+                                            <p:cond delay="0"/>
+                                          </p:stCondLst>
+                                        </p:cTn>
+                                        <p:tgtEl>
+                                          <p:spTgt spid="2">
+                                            <p:txEl>
+                                              <p:pRg st="2" end="2"/>
+                                            </p:txEl>
+                                          </p:spTgt>
+                                        </p:tgtEl>
+                                        <p:attrNameLst>
+                                          <p:attrName>style.visibility</p:attrName>
+                                        </p:attrNameLst>
+                                      </p:cBhvr>
+                                      <p:to>
+                                        <p:strVal val="visible"/>
+                                      </p:to>
+                                    </p:set>
+                                    <p:animEffect transition="in" filter="randombar(horizontal)">
+                                      <p:cBhvr>
+                                        <p:cTn id="17" dur="500"/>
+                                        <p:tgtEl>
+                                          <p:spTgt spid="2">
+                                            <p:txEl>
+                                              <p:pRg st="2" end="2"/>
+                                            </p:txEl>
+                                          </p:spTgt>
+                                        </p:tgtEl>
+                                      </p:cBhvr>
+                                    </p:animEffect>
+                                  </p:childTnLst>
+                                </p:cTn>
+                              </p:par>
+                            </p:childTnLst>
+                          </p:cTn>
+                        </p:par>
+                      </p:childTnLst>
+                    </p:cTn>
+                  </p:par>
+                  <p:par>
+                    <p:cTn id="18" fill="hold">
+                      <p:stCondLst>
+                        <p:cond delay="indefinite"/>
+                      </p:stCondLst>
+                      <p:childTnLst>
+                        <p:par>
+                          <p:cTn id="19" fill="hold">
+                            <p:stCondLst>
+                              <p:cond delay="0"/>
+                            </p:stCondLst>
+                            <p:childTnLst>
+                              <p:par>
+                                <p:cTn id="20" presetID="14" presetClass="entr" presetSubtype="10" fill="hold" grpId="0" nodeType="clickEffect">
+                                  <p:stCondLst>
+                                    <p:cond delay="0"/>
+                                  </p:stCondLst>
+                                  <p:childTnLst>
+                                    <p:set>
+                                      <p:cBhvr>
+                                        <p:cTn id="21" dur="1" fill="hold">
+                                          <p:stCondLst>
+                                            <p:cond delay="0"/>
+                                          </p:stCondLst>
+                                        </p:cTn>
+                                        <p:tgtEl>
+                                          <p:spTgt spid="2">
+                                            <p:txEl>
+                                              <p:pRg st="3" end="3"/>
+                                            </p:txEl>
+                                          </p:spTgt>
+                                        </p:tgtEl>
+                                        <p:attrNameLst>
+                                          <p:attrName>style.visibility</p:attrName>
+                                        </p:attrNameLst>
+                                      </p:cBhvr>
+                                      <p:to>
+                                        <p:strVal val="visible"/>
+                                      </p:to>
+                                    </p:set>
+                                    <p:animEffect transition="in" filter="randombar(horizontal)">
+                                      <p:cBhvr>
+                                        <p:cTn id="22" dur="500"/>
+                                        <p:tgtEl>
+                                          <p:spTgt spid="2">
+                                            <p:txEl>
+                                              <p:pRg st="3" end="3"/>
+                                            </p:txEl>
+                                          </p:spTgt>
+                                        </p:tgtEl>
+                                      </p:cBhvr>
+                                    </p:animEffect>
+                                  </p:childTnLst>
+                                </p:cTn>
+                              </p:par>
+                            </p:childTnLst>
+                          </p:cTn>
+                        </p:par>
+                      </p:childTnLst>
+                    </p:cTn>
+                  </p:par>
+                  <p:par>
+                    <p:cTn id="23" fill="hold">
+                      <p:stCondLst>
+                        <p:cond delay="indefinite"/>
+                      </p:stCondLst>
+                      <p:childTnLst>
+                        <p:par>
+                          <p:cTn id="24" fill="hold">
+                            <p:stCondLst>
+                              <p:cond delay="0"/>
+                            </p:stCondLst>
+                            <p:childTnLst>
+                              <p:par>
+                                <p:cTn id="25" presetID="14" presetClass="entr" presetSubtype="10" fill="hold" grpId="0" nodeType="clickEffect">
+                                  <p:stCondLst>
+                                    <p:cond delay="0"/>
+                                  </p:stCondLst>
+                                  <p:childTnLst>
+                                    <p:set>
+                                      <p:cBhvr>
+                                        <p:cTn id="26" dur="1" fill="hold">
+                                          <p:stCondLst>
+                                            <p:cond delay="0"/>
+                                          </p:stCondLst>
+                                        </p:cTn>
+                                        <p:tgtEl>
+                                          <p:spTgt spid="2">
+                                            <p:txEl>
+                                              <p:pRg st="4" end="4"/>
+                                            </p:txEl>
+                                          </p:spTgt>
+                                        </p:tgtEl>
+                                        <p:attrNameLst>
+                                          <p:attrName>style.visibility</p:attrName>
+                                        </p:attrNameLst>
+                                      </p:cBhvr>
+                                      <p:to>
+                                        <p:strVal val="visible"/>
+                                      </p:to>
+                                    </p:set>
+                                    <p:animEffect transition="in" filter="randombar(horizontal)">
+                                      <p:cBhvr>
+                                        <p:cTn id="27" dur="500"/>
+                                        <p:tgtEl>
+                                          <p:spTgt spid="2">
+                                            <p:txEl>
+                                              <p:pRg st="4" end="4"/>
+                                            </p:txEl>
+                                          </p:spTgt>
+                                        </p:tgtEl>
+                                      </p:cBhvr>
+                                    </p:animEffect>
+                                  </p:childTnLst>
+                                </p:cTn>
+                              </p:par>
+                            </p:childTnLst>
+                          </p:cTn>
+                        </p:par>
+                      </p:childTnLst>
+                    </p:cTn>
+                  </p:par>
+                </p:childTnLst>
+              </p:cTn>
+              <p:prevCondLst>
+                <p:cond evt="onPrev" delay="0">
+                  <p:tgtEl>
+                    <p:sldTgt/>
+                  </p:tgtEl>
+                </p:cond>
+              </p:prevCondLst>
+              <p:nextCondLst>
+                <p:cond evt="onNext" delay="0">
+                  <p:tgtEl>
+                    <p:sldTgt/>
+                  </p:tgtEl>
+                </p:cond>
+              </p:nextCondLst>
+            </p:seq>
+          </p:childTnLst>
+        </p:cTn>
+      </p:par>
+    </p:tnLst>
+    <p:bldLst>
+      <p:bldP spid="2" grpId="0" build="p"/>
+    </p:bldLst>
+  </p:timing>
 </p:sld>
 </file>
 
@@ -7088,6 +8236,13 @@
   <p:clrMapOvr>
     <a:masterClrMapping/>
   </p:clrMapOvr>
+  <p:timing>
+    <p:tnLst>
+      <p:par>
+        <p:cTn id="1" dur="indefinite" restart="never" nodeType="tmRoot"/>
+      </p:par>
+    </p:tnLst>
+  </p:timing>
 </p:sld>
 </file>
 
@@ -7256,6 +8411,13 @@
   <p:clrMapOvr>
     <a:masterClrMapping/>
   </p:clrMapOvr>
+  <p:timing>
+    <p:tnLst>
+      <p:par>
+        <p:cTn id="1" dur="indefinite" restart="never" nodeType="tmRoot"/>
+      </p:par>
+    </p:tnLst>
+  </p:timing>
 </p:sld>
 </file>
 
@@ -7317,21 +8479,6 @@
               </a:rPr>
               <a:t>Логічна модель:</a:t>
             </a:r>
-            <a:endParaRPr lang="uk-UA" sz="3600" b="1" spc="0" dirty="0">
-              <a:ln w="22225">
-                <a:solidFill>
-                  <a:schemeClr val="accent2"/>
-                </a:solidFill>
-                <a:prstDash val="solid"/>
-              </a:ln>
-              <a:solidFill>
-                <a:schemeClr val="accent2">
-                  <a:lumMod val="40000"/>
-                  <a:lumOff val="60000"/>
-                </a:schemeClr>
-              </a:solidFill>
-              <a:effectLst/>
-            </a:endParaRPr>
           </a:p>
         </p:txBody>
       </p:sp>
@@ -7378,6 +8525,13 @@
   <p:clrMapOvr>
     <a:masterClrMapping/>
   </p:clrMapOvr>
+  <p:timing>
+    <p:tnLst>
+      <p:par>
+        <p:cTn id="1" dur="indefinite" restart="never" nodeType="tmRoot"/>
+      </p:par>
+    </p:tnLst>
+  </p:timing>
 </p:sld>
 </file>
 
@@ -7439,21 +8593,6 @@
               </a:rPr>
               <a:t>Фізична модель бази:</a:t>
             </a:r>
-            <a:endParaRPr lang="uk-UA" sz="3600" b="1" spc="0" dirty="0">
-              <a:ln w="22225">
-                <a:solidFill>
-                  <a:schemeClr val="accent2"/>
-                </a:solidFill>
-                <a:prstDash val="solid"/>
-              </a:ln>
-              <a:solidFill>
-                <a:schemeClr val="accent2">
-                  <a:lumMod val="40000"/>
-                  <a:lumOff val="60000"/>
-                </a:schemeClr>
-              </a:solidFill>
-              <a:effectLst/>
-            </a:endParaRPr>
           </a:p>
         </p:txBody>
       </p:sp>
@@ -7500,6 +8639,13 @@
   <p:clrMapOvr>
     <a:masterClrMapping/>
   </p:clrMapOvr>
+  <p:timing>
+    <p:tnLst>
+      <p:par>
+        <p:cTn id="1" dur="indefinite" restart="never" nodeType="tmRoot"/>
+      </p:par>
+    </p:tnLst>
+  </p:timing>
 </p:sld>
 </file>
 
@@ -8274,6 +9420,13 @@
   <p:clrMapOvr>
     <a:masterClrMapping/>
   </p:clrMapOvr>
+  <p:timing>
+    <p:tnLst>
+      <p:par>
+        <p:cTn id="1" dur="indefinite" restart="never" nodeType="tmRoot"/>
+      </p:par>
+    </p:tnLst>
+  </p:timing>
 </p:sld>
 </file>
 
